--- a/GamePlanning/Scavenger Hunt.pptx
+++ b/GamePlanning/Scavenger Hunt.pptx
@@ -231,6 +231,7 @@
           <a:p>
             <a:fld id="{57535DDE-70B5-42D8-A145-82A6AB676F7B}" type="datetimeFigureOut">
               <a:rPr lang="en-US" smtClean="0"/>
+              <a:pPr/>
               <a:t>5/2/2013</a:t>
             </a:fld>
             <a:endParaRPr lang="en-US"/>
@@ -392,6 +393,7 @@
           <a:p>
             <a:fld id="{128E2FB9-692C-4A53-98B6-2BAD2FE23DF5}" type="slidenum">
               <a:rPr lang="en-US" smtClean="0"/>
+              <a:pPr/>
               <a:t>‹#›</a:t>
             </a:fld>
             <a:endParaRPr lang="en-US"/>
@@ -571,6 +573,7 @@
           <a:p>
             <a:fld id="{128E2FB9-692C-4A53-98B6-2BAD2FE23DF5}" type="slidenum">
               <a:rPr lang="en-US" smtClean="0"/>
+              <a:pPr/>
               <a:t>1</a:t>
             </a:fld>
             <a:endParaRPr lang="en-US"/>
@@ -660,6 +663,7 @@
           <a:p>
             <a:fld id="{128E2FB9-692C-4A53-98B6-2BAD2FE23DF5}" type="slidenum">
               <a:rPr lang="en-US" smtClean="0"/>
+              <a:pPr/>
               <a:t>2</a:t>
             </a:fld>
             <a:endParaRPr lang="en-US"/>
@@ -745,6 +749,7 @@
           <a:p>
             <a:fld id="{128E2FB9-692C-4A53-98B6-2BAD2FE23DF5}" type="slidenum">
               <a:rPr lang="en-US" smtClean="0"/>
+              <a:pPr/>
               <a:t>3</a:t>
             </a:fld>
             <a:endParaRPr lang="en-US"/>
@@ -830,6 +835,7 @@
           <a:p>
             <a:fld id="{128E2FB9-692C-4A53-98B6-2BAD2FE23DF5}" type="slidenum">
               <a:rPr lang="en-US" smtClean="0"/>
+              <a:pPr/>
               <a:t>4</a:t>
             </a:fld>
             <a:endParaRPr lang="en-US"/>
@@ -915,6 +921,7 @@
           <a:p>
             <a:fld id="{128E2FB9-692C-4A53-98B6-2BAD2FE23DF5}" type="slidenum">
               <a:rPr lang="en-US" smtClean="0"/>
+              <a:pPr/>
               <a:t>5</a:t>
             </a:fld>
             <a:endParaRPr lang="en-US"/>
@@ -1012,6 +1019,7 @@
           <a:p>
             <a:fld id="{128E2FB9-692C-4A53-98B6-2BAD2FE23DF5}" type="slidenum">
               <a:rPr lang="en-US" smtClean="0"/>
+              <a:pPr/>
               <a:t>6</a:t>
             </a:fld>
             <a:endParaRPr lang="en-US"/>
@@ -1097,6 +1105,7 @@
           <a:p>
             <a:fld id="{128E2FB9-692C-4A53-98B6-2BAD2FE23DF5}" type="slidenum">
               <a:rPr lang="en-US" smtClean="0"/>
+              <a:pPr/>
               <a:t>7</a:t>
             </a:fld>
             <a:endParaRPr lang="en-US"/>
@@ -1186,6 +1195,7 @@
           <a:p>
             <a:fld id="{128E2FB9-692C-4A53-98B6-2BAD2FE23DF5}" type="slidenum">
               <a:rPr lang="en-US" smtClean="0"/>
+              <a:pPr/>
               <a:t>8</a:t>
             </a:fld>
             <a:endParaRPr lang="en-US"/>
@@ -1271,6 +1281,7 @@
           <a:p>
             <a:fld id="{128E2FB9-692C-4A53-98B6-2BAD2FE23DF5}" type="slidenum">
               <a:rPr lang="en-US" smtClean="0"/>
+              <a:pPr/>
               <a:t>9</a:t>
             </a:fld>
             <a:endParaRPr lang="en-US"/>
@@ -3755,7 +3766,6 @@
               <a:rPr lang="en-US" smtClean="0"/>
               <a:t>Click to edit Master title style</a:t>
             </a:r>
-            <a:endParaRPr lang="en-US" smtClean="0"/>
           </a:p>
         </p:txBody>
       </p:sp>
@@ -3826,7 +3836,6 @@
               <a:rPr lang="en-US" smtClean="0"/>
               <a:t>Fifth level</a:t>
             </a:r>
-            <a:endParaRPr lang="en-US" smtClean="0"/>
           </a:p>
         </p:txBody>
       </p:sp>
@@ -4841,23 +4850,8 @@
                 </a:solidFill>
                 <a:latin typeface="Helvetica" pitchFamily="1" charset="0"/>
               </a:rPr>
-              <a:t>• </a:t>
-            </a:r>
-            <a:r>
-              <a:rPr lang="en-US" sz="1600" dirty="0" smtClean="0">
-                <a:solidFill>
-                  <a:srgbClr val="717074"/>
-                </a:solidFill>
-                <a:latin typeface="Helvetica" pitchFamily="1" charset="0"/>
-              </a:rPr>
-              <a:t>Photographer and main asset designer</a:t>
-            </a:r>
-            <a:endParaRPr lang="en-US" sz="1600" dirty="0" smtClean="0">
-              <a:solidFill>
-                <a:srgbClr val="717074"/>
-              </a:solidFill>
-              <a:latin typeface="Helvetica" pitchFamily="1" charset="0"/>
-            </a:endParaRPr>
+              <a:t>• Photographer and main asset designer</a:t>
+            </a:r>
           </a:p>
           <a:p>
             <a:pPr algn="l">
@@ -5205,12 +5199,6 @@
               </a:rPr>
               <a:t>• Contributed game and story details</a:t>
             </a:r>
-            <a:endParaRPr lang="en-US" sz="1600" dirty="0" smtClean="0">
-              <a:solidFill>
-                <a:srgbClr val="717074"/>
-              </a:solidFill>
-              <a:latin typeface="Helvetica" pitchFamily="1" charset="0"/>
-            </a:endParaRPr>
           </a:p>
         </p:txBody>
       </p:sp>
@@ -6377,7 +6365,7 @@
         <p:spPr bwMode="auto">
           <a:xfrm>
             <a:off x="6692900" y="2590800"/>
-            <a:ext cx="1917700" cy="2677656"/>
+            <a:ext cx="1917700" cy="3323987"/>
           </a:xfrm>
           <a:prstGeom prst="rect">
             <a:avLst/>
@@ -6523,6 +6511,62 @@
             </a:r>
             <a:r>
               <a:rPr lang="en-US" sz="1400" dirty="0" err="1" smtClean="0">
+                <a:solidFill>
+                  <a:schemeClr val="bg1"/>
+                </a:solidFill>
+                <a:latin typeface="Helvetica" pitchFamily="1" charset="0"/>
+              </a:rPr>
+              <a:t>cutscenes</a:t>
+            </a:r>
+            <a:endParaRPr lang="en-US" sz="1400" dirty="0" smtClean="0">
+              <a:solidFill>
+                <a:schemeClr val="bg1"/>
+              </a:solidFill>
+              <a:latin typeface="Helvetica" pitchFamily="1" charset="0"/>
+            </a:endParaRPr>
+          </a:p>
+          <a:p>
+            <a:pPr algn="l">
+              <a:spcBef>
+                <a:spcPct val="50000"/>
+              </a:spcBef>
+            </a:pPr>
+            <a:r>
+              <a:rPr lang="en-US" sz="1400" dirty="0" smtClean="0">
+                <a:solidFill>
+                  <a:schemeClr val="bg1"/>
+                </a:solidFill>
+                <a:latin typeface="Helvetica" pitchFamily="1" charset="0"/>
+              </a:rPr>
+              <a:t>Audio bugs</a:t>
+            </a:r>
+          </a:p>
+          <a:p>
+            <a:pPr algn="l">
+              <a:spcBef>
+                <a:spcPct val="50000"/>
+              </a:spcBef>
+            </a:pPr>
+            <a:r>
+              <a:rPr lang="en-US" sz="1400" dirty="0" err="1" smtClean="0">
+                <a:solidFill>
+                  <a:schemeClr val="bg1"/>
+                </a:solidFill>
+                <a:latin typeface="Helvetica" pitchFamily="1" charset="0"/>
+              </a:rPr>
+              <a:t>Skippable</a:t>
+            </a:r>
+            <a:r>
+              <a:rPr lang="en-US" sz="1400" dirty="0" smtClean="0">
+                <a:solidFill>
+                  <a:schemeClr val="bg1"/>
+                </a:solidFill>
+                <a:latin typeface="Helvetica" pitchFamily="1" charset="0"/>
+              </a:rPr>
+              <a:t> </a:t>
+            </a:r>
+            <a:r>
+              <a:rPr lang="en-US" sz="1400" smtClean="0">
                 <a:solidFill>
                   <a:schemeClr val="bg1"/>
                 </a:solidFill>
@@ -8282,6 +8326,10 @@
 </file>
 
 <file path=customXml/item1.xml><?xml version="1.0" encoding="utf-8"?>
+<LongProperties xmlns="http://schemas.microsoft.com/office/2006/metadata/longProperties"/>
+</file>
+
+<file path=customXml/item2.xml><?xml version="1.0" encoding="utf-8"?>
 <?mso-contentType ?>
 <FormTemplates xmlns="http://schemas.microsoft.com/sharepoint/v3/contenttype/forms">
   <Display>DocumentLibraryForm</Display>
@@ -8290,22 +8338,18 @@
 </FormTemplates>
 </file>
 
-<file path=customXml/item2.xml><?xml version="1.0" encoding="utf-8"?>
-<LongProperties xmlns="http://schemas.microsoft.com/office/2006/metadata/longProperties"/>
+<file path=customXml/itemProps1.xml><?xml version="1.0" encoding="utf-8"?>
+<ds:datastoreItem xmlns:ds="http://schemas.openxmlformats.org/officeDocument/2006/customXml" ds:itemID="{52A7CCCF-0266-4284-99B7-EA4490F2CF87}">
+  <ds:schemaRefs>
+    <ds:schemaRef ds:uri="http://schemas.microsoft.com/office/2006/metadata/longProperties"/>
+  </ds:schemaRefs>
+</ds:datastoreItem>
 </file>
 
-<file path=customXml/itemProps1.xml><?xml version="1.0" encoding="utf-8"?>
+<file path=customXml/itemProps2.xml><?xml version="1.0" encoding="utf-8"?>
 <ds:datastoreItem xmlns:ds="http://schemas.openxmlformats.org/officeDocument/2006/customXml" ds:itemID="{A8EBE007-4743-49DE-9571-425D23FF20C0}">
   <ds:schemaRefs>
     <ds:schemaRef ds:uri="http://schemas.microsoft.com/sharepoint/v3/contenttype/forms"/>
   </ds:schemaRefs>
 </ds:datastoreItem>
-</file>
-
-<file path=customXml/itemProps2.xml><?xml version="1.0" encoding="utf-8"?>
-<ds:datastoreItem xmlns:ds="http://schemas.openxmlformats.org/officeDocument/2006/customXml" ds:itemID="{52A7CCCF-0266-4284-99B7-EA4490F2CF87}">
-  <ds:schemaRefs>
-    <ds:schemaRef ds:uri="http://schemas.microsoft.com/office/2006/metadata/longProperties"/>
-  </ds:schemaRefs>
-</ds:datastoreItem>
 </file>